--- a/slides/3. API OpenAI - Como utilizar a API.pptx
+++ b/slides/3. API OpenAI - Como utilizar a API.pptx
@@ -39,14 +39,14 @@
   <p:notesSz cx="6858000" cy="9144000"/>
   <p:embeddedFontLst>
     <p:embeddedFont>
-      <p:font typeface="Raleway" panose="020B0604020202020204" charset="0"/>
+      <p:font typeface="Lato" panose="020B0604020202020204" charset="0"/>
       <p:regular r:id="rId29"/>
       <p:bold r:id="rId30"/>
       <p:italic r:id="rId31"/>
       <p:boldItalic r:id="rId32"/>
     </p:embeddedFont>
     <p:embeddedFont>
-      <p:font typeface="Lato" panose="020B0604020202020204" charset="0"/>
+      <p:font typeface="Raleway" panose="020B0604020202020204" charset="0"/>
       <p:regular r:id="rId33"/>
       <p:bold r:id="rId34"/>
       <p:italic r:id="rId35"/>
@@ -9438,6 +9438,65 @@
           </a:p>
         </p:txBody>
       </p:sp>
+      <p:pic>
+        <p:nvPicPr>
+          <p:cNvPr id="4" name="Imagem 3"/>
+          <p:cNvPicPr>
+            <a:picLocks noChangeAspect="1"/>
+          </p:cNvPicPr>
+          <p:nvPr/>
+        </p:nvPicPr>
+        <p:blipFill>
+          <a:blip r:embed="rId4">
+            <a:extLst>
+              <a:ext uri="{28A0092B-C50C-407E-A947-70E740481C1C}">
+                <a14:useLocalDpi xmlns:a14="http://schemas.microsoft.com/office/drawing/2010/main" val="0"/>
+              </a:ext>
+            </a:extLst>
+          </a:blip>
+          <a:stretch>
+            <a:fillRect/>
+          </a:stretch>
+        </p:blipFill>
+        <p:spPr>
+          <a:xfrm>
+            <a:off x="357086" y="2044147"/>
+            <a:ext cx="1399308" cy="2278212"/>
+          </a:xfrm>
+          <a:prstGeom prst="rect">
+            <a:avLst/>
+          </a:prstGeom>
+        </p:spPr>
+      </p:pic>
+      <p:pic>
+        <p:nvPicPr>
+          <p:cNvPr id="5" name="Imagem 4"/>
+          <p:cNvPicPr>
+            <a:picLocks noChangeAspect="1"/>
+          </p:cNvPicPr>
+          <p:nvPr/>
+        </p:nvPicPr>
+        <p:blipFill rotWithShape="1">
+          <a:blip r:embed="rId5">
+            <a:extLst>
+              <a:ext uri="{28A0092B-C50C-407E-A947-70E740481C1C}">
+                <a14:useLocalDpi xmlns:a14="http://schemas.microsoft.com/office/drawing/2010/main" val="0"/>
+              </a:ext>
+            </a:extLst>
+          </a:blip>
+          <a:srcRect l="15850" r="10862"/>
+          <a:stretch/>
+        </p:blipFill>
+        <p:spPr>
+          <a:xfrm>
+            <a:off x="7481451" y="2485726"/>
+            <a:ext cx="1323109" cy="1395054"/>
+          </a:xfrm>
+          <a:prstGeom prst="rect">
+            <a:avLst/>
+          </a:prstGeom>
+        </p:spPr>
+      </p:pic>
     </p:spTree>
   </p:cSld>
   <p:clrMapOvr>
